--- a/slides/tkinter.pptx
+++ b/slides/tkinter.pptx
@@ -5,7 +5,7 @@
     <p:sldMasterId id="2147483648" r:id="rId1"/>
   </p:sldMasterIdLst>
   <p:notesMasterIdLst>
-    <p:notesMasterId r:id="rId15"/>
+    <p:notesMasterId r:id="rId26"/>
   </p:notesMasterIdLst>
   <p:sldIdLst>
     <p:sldId id="256" r:id="rId2"/>
@@ -21,6 +21,17 @@
     <p:sldId id="267" r:id="rId12"/>
     <p:sldId id="266" r:id="rId13"/>
     <p:sldId id="268" r:id="rId14"/>
+    <p:sldId id="269" r:id="rId15"/>
+    <p:sldId id="272" r:id="rId16"/>
+    <p:sldId id="270" r:id="rId17"/>
+    <p:sldId id="277" r:id="rId18"/>
+    <p:sldId id="278" r:id="rId19"/>
+    <p:sldId id="273" r:id="rId20"/>
+    <p:sldId id="274" r:id="rId21"/>
+    <p:sldId id="275" r:id="rId22"/>
+    <p:sldId id="271" r:id="rId23"/>
+    <p:sldId id="276" r:id="rId24"/>
+    <p:sldId id="279" r:id="rId25"/>
   </p:sldIdLst>
   <p:sldSz cx="12192000" cy="6858000"/>
   <p:notesSz cx="6858000" cy="9144000"/>
@@ -119,6 +130,11 @@
       </a:defRPr>
     </a:lvl9pPr>
   </p:defaultTextStyle>
+  <p:extLst>
+    <p:ext uri="{EFAFB233-063F-42B5-8137-9DF3F51BA10A}">
+      <p15:sldGuideLst xmlns:p15="http://schemas.microsoft.com/office/powerpoint/2012/main"/>
+    </p:ext>
+  </p:extLst>
 </p:presentation>
 </file>
 
@@ -204,7 +220,7 @@
           <a:p>
             <a:fld id="{6EFE37D0-9CF4-4686-B98A-A242AC2EEB10}" type="datetimeFigureOut">
               <a:rPr lang="en-US" smtClean="0"/>
-              <a:t>11/9/2016</a:t>
+              <a:t>11/11/2016</a:t>
             </a:fld>
             <a:endParaRPr lang="en-US"/>
           </a:p>
@@ -299,7 +315,6 @@
               <a:rPr lang="en-US"/>
               <a:t>Fifth level</a:t>
             </a:r>
-            <a:endParaRPr lang="en-US"/>
           </a:p>
         </p:txBody>
       </p:sp>
@@ -559,6 +574,102 @@
 </p:notes>
 </file>
 
+<file path=ppt/notesSlides/notesSlide10.xml><?xml version="1.0" encoding="utf-8"?>
+<p:notes xmlns:a="http://schemas.openxmlformats.org/drawingml/2006/main" xmlns:r="http://schemas.openxmlformats.org/officeDocument/2006/relationships" xmlns:p="http://schemas.openxmlformats.org/presentationml/2006/main">
+  <p:cSld>
+    <p:spTree>
+      <p:nvGrpSpPr>
+        <p:cNvPr id="1" name=""/>
+        <p:cNvGrpSpPr/>
+        <p:nvPr/>
+      </p:nvGrpSpPr>
+      <p:grpSpPr>
+        <a:xfrm>
+          <a:off x="0" y="0"/>
+          <a:ext cx="0" cy="0"/>
+          <a:chOff x="0" y="0"/>
+          <a:chExt cx="0" cy="0"/>
+        </a:xfrm>
+      </p:grpSpPr>
+      <p:sp>
+        <p:nvSpPr>
+          <p:cNvPr id="2" name="Slide Image Placeholder 1"/>
+          <p:cNvSpPr>
+            <a:spLocks noGrp="1" noRot="1" noChangeAspect="1"/>
+          </p:cNvSpPr>
+          <p:nvPr>
+            <p:ph type="sldImg"/>
+          </p:nvPr>
+        </p:nvSpPr>
+        <p:spPr/>
+      </p:sp>
+      <p:sp>
+        <p:nvSpPr>
+          <p:cNvPr id="3" name="Notes Placeholder 2"/>
+          <p:cNvSpPr>
+            <a:spLocks noGrp="1"/>
+          </p:cNvSpPr>
+          <p:nvPr>
+            <p:ph type="body" idx="1"/>
+          </p:nvPr>
+        </p:nvSpPr>
+        <p:spPr/>
+        <p:txBody>
+          <a:bodyPr/>
+          <a:lstStyle/>
+          <a:p>
+            <a:r>
+              <a:rPr lang="en-US" dirty="0" err="1"/>
+              <a:t>bd</a:t>
+            </a:r>
+            <a:r>
+              <a:rPr lang="en-US" dirty="0"/>
+              <a:t>=1</a:t>
+            </a:r>
+            <a:r>
+              <a:rPr lang="en-US" baseline="0" dirty="0"/>
+              <a:t> sets the border width to 1 so the border is visible, relief=SUNKEN gives the frame’s border a sunken appearance</a:t>
+            </a:r>
+            <a:endParaRPr lang="en-US" dirty="0"/>
+          </a:p>
+        </p:txBody>
+      </p:sp>
+      <p:sp>
+        <p:nvSpPr>
+          <p:cNvPr id="4" name="Slide Number Placeholder 3"/>
+          <p:cNvSpPr>
+            <a:spLocks noGrp="1"/>
+          </p:cNvSpPr>
+          <p:nvPr>
+            <p:ph type="sldNum" sz="quarter" idx="10"/>
+          </p:nvPr>
+        </p:nvSpPr>
+        <p:spPr/>
+        <p:txBody>
+          <a:bodyPr/>
+          <a:lstStyle/>
+          <a:p>
+            <a:fld id="{3454F12D-C613-4826-A703-760DC9156248}" type="slidenum">
+              <a:rPr lang="en-US" smtClean="0"/>
+              <a:t>15</a:t>
+            </a:fld>
+            <a:endParaRPr lang="en-US"/>
+          </a:p>
+        </p:txBody>
+      </p:sp>
+    </p:spTree>
+    <p:extLst>
+      <p:ext uri="{BB962C8B-B14F-4D97-AF65-F5344CB8AC3E}">
+        <p14:creationId xmlns:p14="http://schemas.microsoft.com/office/powerpoint/2010/main" val="1416336784"/>
+      </p:ext>
+    </p:extLst>
+  </p:cSld>
+  <p:clrMapOvr>
+    <a:masterClrMapping/>
+  </p:clrMapOvr>
+</p:notes>
+</file>
+
 <file path=ppt/notesSlides/notesSlide2.xml><?xml version="1.0" encoding="utf-8"?>
 <p:notes xmlns:a="http://schemas.openxmlformats.org/drawingml/2006/main" xmlns:r="http://schemas.openxmlformats.org/officeDocument/2006/relationships" xmlns:p="http://schemas.openxmlformats.org/presentationml/2006/main">
   <p:cSld>
@@ -1417,7 +1528,6 @@
               <a:rPr lang="en-US"/>
               <a:t>Click to edit Master title style</a:t>
             </a:r>
-            <a:endParaRPr lang="en-US"/>
           </a:p>
         </p:txBody>
       </p:sp>
@@ -1482,7 +1592,6 @@
               <a:rPr lang="en-US"/>
               <a:t>Click to edit Master subtitle style</a:t>
             </a:r>
-            <a:endParaRPr lang="en-US"/>
           </a:p>
         </p:txBody>
       </p:sp>
@@ -1503,7 +1612,7 @@
           <a:p>
             <a:fld id="{C473BD06-6E98-47EC-86A6-51CB36A168F7}" type="datetimeFigureOut">
               <a:rPr lang="en-US" smtClean="0"/>
-              <a:t>11/7/2016</a:t>
+              <a:t>11/11/2016</a:t>
             </a:fld>
             <a:endParaRPr lang="en-US"/>
           </a:p>
@@ -1600,7 +1709,6 @@
               <a:rPr lang="en-US"/>
               <a:t>Click to edit Master title style</a:t>
             </a:r>
-            <a:endParaRPr lang="en-US"/>
           </a:p>
         </p:txBody>
       </p:sp>
@@ -1652,7 +1760,6 @@
               <a:rPr lang="en-US"/>
               <a:t>Fifth level</a:t>
             </a:r>
-            <a:endParaRPr lang="en-US"/>
           </a:p>
         </p:txBody>
       </p:sp>
@@ -1673,7 +1780,7 @@
           <a:p>
             <a:fld id="{C473BD06-6E98-47EC-86A6-51CB36A168F7}" type="datetimeFigureOut">
               <a:rPr lang="en-US" smtClean="0"/>
-              <a:t>11/7/2016</a:t>
+              <a:t>11/11/2016</a:t>
             </a:fld>
             <a:endParaRPr lang="en-US"/>
           </a:p>
@@ -1775,7 +1882,6 @@
               <a:rPr lang="en-US"/>
               <a:t>Click to edit Master title style</a:t>
             </a:r>
-            <a:endParaRPr lang="en-US"/>
           </a:p>
         </p:txBody>
       </p:sp>
@@ -1832,7 +1938,6 @@
               <a:rPr lang="en-US"/>
               <a:t>Fifth level</a:t>
             </a:r>
-            <a:endParaRPr lang="en-US"/>
           </a:p>
         </p:txBody>
       </p:sp>
@@ -1853,7 +1958,7 @@
           <a:p>
             <a:fld id="{C473BD06-6E98-47EC-86A6-51CB36A168F7}" type="datetimeFigureOut">
               <a:rPr lang="en-US" smtClean="0"/>
-              <a:t>11/7/2016</a:t>
+              <a:t>11/11/2016</a:t>
             </a:fld>
             <a:endParaRPr lang="en-US"/>
           </a:p>
@@ -1950,7 +2055,6 @@
               <a:rPr lang="en-US"/>
               <a:t>Click to edit Master title style</a:t>
             </a:r>
-            <a:endParaRPr lang="en-US"/>
           </a:p>
         </p:txBody>
       </p:sp>
@@ -2002,7 +2106,6 @@
               <a:rPr lang="en-US"/>
               <a:t>Fifth level</a:t>
             </a:r>
-            <a:endParaRPr lang="en-US"/>
           </a:p>
         </p:txBody>
       </p:sp>
@@ -2023,7 +2126,7 @@
           <a:p>
             <a:fld id="{C473BD06-6E98-47EC-86A6-51CB36A168F7}" type="datetimeFigureOut">
               <a:rPr lang="en-US" smtClean="0"/>
-              <a:t>11/7/2016</a:t>
+              <a:t>11/11/2016</a:t>
             </a:fld>
             <a:endParaRPr lang="en-US"/>
           </a:p>
@@ -2129,7 +2232,6 @@
               <a:rPr lang="en-US"/>
               <a:t>Click to edit Master title style</a:t>
             </a:r>
-            <a:endParaRPr lang="en-US"/>
           </a:p>
         </p:txBody>
       </p:sp>
@@ -2269,7 +2371,7 @@
           <a:p>
             <a:fld id="{C473BD06-6E98-47EC-86A6-51CB36A168F7}" type="datetimeFigureOut">
               <a:rPr lang="en-US" smtClean="0"/>
-              <a:t>11/7/2016</a:t>
+              <a:t>11/11/2016</a:t>
             </a:fld>
             <a:endParaRPr lang="en-US"/>
           </a:p>
@@ -2366,7 +2468,6 @@
               <a:rPr lang="en-US"/>
               <a:t>Click to edit Master title style</a:t>
             </a:r>
-            <a:endParaRPr lang="en-US"/>
           </a:p>
         </p:txBody>
       </p:sp>
@@ -2423,7 +2524,6 @@
               <a:rPr lang="en-US"/>
               <a:t>Fifth level</a:t>
             </a:r>
-            <a:endParaRPr lang="en-US"/>
           </a:p>
         </p:txBody>
       </p:sp>
@@ -2480,7 +2580,6 @@
               <a:rPr lang="en-US"/>
               <a:t>Fifth level</a:t>
             </a:r>
-            <a:endParaRPr lang="en-US"/>
           </a:p>
         </p:txBody>
       </p:sp>
@@ -2501,7 +2600,7 @@
           <a:p>
             <a:fld id="{C473BD06-6E98-47EC-86A6-51CB36A168F7}" type="datetimeFigureOut">
               <a:rPr lang="en-US" smtClean="0"/>
-              <a:t>11/7/2016</a:t>
+              <a:t>11/11/2016</a:t>
             </a:fld>
             <a:endParaRPr lang="en-US"/>
           </a:p>
@@ -2603,7 +2702,6 @@
               <a:rPr lang="en-US"/>
               <a:t>Click to edit Master title style</a:t>
             </a:r>
-            <a:endParaRPr lang="en-US"/>
           </a:p>
         </p:txBody>
       </p:sp>
@@ -2725,7 +2823,6 @@
               <a:rPr lang="en-US"/>
               <a:t>Fifth level</a:t>
             </a:r>
-            <a:endParaRPr lang="en-US"/>
           </a:p>
         </p:txBody>
       </p:sp>
@@ -2847,7 +2944,6 @@
               <a:rPr lang="en-US"/>
               <a:t>Fifth level</a:t>
             </a:r>
-            <a:endParaRPr lang="en-US"/>
           </a:p>
         </p:txBody>
       </p:sp>
@@ -2868,7 +2964,7 @@
           <a:p>
             <a:fld id="{C473BD06-6E98-47EC-86A6-51CB36A168F7}" type="datetimeFigureOut">
               <a:rPr lang="en-US" smtClean="0"/>
-              <a:t>11/7/2016</a:t>
+              <a:t>11/11/2016</a:t>
             </a:fld>
             <a:endParaRPr lang="en-US"/>
           </a:p>
@@ -2965,7 +3061,6 @@
               <a:rPr lang="en-US"/>
               <a:t>Click to edit Master title style</a:t>
             </a:r>
-            <a:endParaRPr lang="en-US"/>
           </a:p>
         </p:txBody>
       </p:sp>
@@ -2986,7 +3081,7 @@
           <a:p>
             <a:fld id="{C473BD06-6E98-47EC-86A6-51CB36A168F7}" type="datetimeFigureOut">
               <a:rPr lang="en-US" smtClean="0"/>
-              <a:t>11/7/2016</a:t>
+              <a:t>11/11/2016</a:t>
             </a:fld>
             <a:endParaRPr lang="en-US"/>
           </a:p>
@@ -3081,7 +3176,7 @@
           <a:p>
             <a:fld id="{C473BD06-6E98-47EC-86A6-51CB36A168F7}" type="datetimeFigureOut">
               <a:rPr lang="en-US" smtClean="0"/>
-              <a:t>11/7/2016</a:t>
+              <a:t>11/11/2016</a:t>
             </a:fld>
             <a:endParaRPr lang="en-US"/>
           </a:p>
@@ -3187,7 +3282,6 @@
               <a:rPr lang="en-US"/>
               <a:t>Click to edit Master title style</a:t>
             </a:r>
-            <a:endParaRPr lang="en-US"/>
           </a:p>
         </p:txBody>
       </p:sp>
@@ -3272,7 +3366,6 @@
               <a:rPr lang="en-US"/>
               <a:t>Fifth level</a:t>
             </a:r>
-            <a:endParaRPr lang="en-US"/>
           </a:p>
         </p:txBody>
       </p:sp>
@@ -3358,7 +3451,7 @@
           <a:p>
             <a:fld id="{C473BD06-6E98-47EC-86A6-51CB36A168F7}" type="datetimeFigureOut">
               <a:rPr lang="en-US" smtClean="0"/>
-              <a:t>11/7/2016</a:t>
+              <a:t>11/11/2016</a:t>
             </a:fld>
             <a:endParaRPr lang="en-US"/>
           </a:p>
@@ -3464,7 +3557,6 @@
               <a:rPr lang="en-US"/>
               <a:t>Click to edit Master title style</a:t>
             </a:r>
-            <a:endParaRPr lang="en-US"/>
           </a:p>
         </p:txBody>
       </p:sp>
@@ -3611,7 +3703,7 @@
           <a:p>
             <a:fld id="{C473BD06-6E98-47EC-86A6-51CB36A168F7}" type="datetimeFigureOut">
               <a:rPr lang="en-US" smtClean="0"/>
-              <a:t>11/7/2016</a:t>
+              <a:t>11/11/2016</a:t>
             </a:fld>
             <a:endParaRPr lang="en-US"/>
           </a:p>
@@ -3723,7 +3815,6 @@
               <a:rPr lang="en-US"/>
               <a:t>Click to edit Master title style</a:t>
             </a:r>
-            <a:endParaRPr lang="en-US"/>
           </a:p>
         </p:txBody>
       </p:sp>
@@ -3785,7 +3876,6 @@
               <a:rPr lang="en-US"/>
               <a:t>Fifth level</a:t>
             </a:r>
-            <a:endParaRPr lang="en-US"/>
           </a:p>
         </p:txBody>
       </p:sp>
@@ -3824,7 +3914,7 @@
           <a:p>
             <a:fld id="{C473BD06-6E98-47EC-86A6-51CB36A168F7}" type="datetimeFigureOut">
               <a:rPr lang="en-US" smtClean="0"/>
-              <a:t>11/7/2016</a:t>
+              <a:t>11/11/2016</a:t>
             </a:fld>
             <a:endParaRPr lang="en-US"/>
           </a:p>
@@ -5106,6 +5196,1082 @@
 </p:sld>
 </file>
 
+<file path=ppt/slides/slide14.xml><?xml version="1.0" encoding="utf-8"?>
+<p:sld xmlns:a="http://schemas.openxmlformats.org/drawingml/2006/main" xmlns:r="http://schemas.openxmlformats.org/officeDocument/2006/relationships" xmlns:p="http://schemas.openxmlformats.org/presentationml/2006/main">
+  <p:cSld>
+    <p:spTree>
+      <p:nvGrpSpPr>
+        <p:cNvPr id="1" name=""/>
+        <p:cNvGrpSpPr/>
+        <p:nvPr/>
+      </p:nvGrpSpPr>
+      <p:grpSpPr>
+        <a:xfrm>
+          <a:off x="0" y="0"/>
+          <a:ext cx="0" cy="0"/>
+          <a:chOff x="0" y="0"/>
+          <a:chExt cx="0" cy="0"/>
+        </a:xfrm>
+      </p:grpSpPr>
+      <p:sp>
+        <p:nvSpPr>
+          <p:cNvPr id="2" name="Title 1"/>
+          <p:cNvSpPr>
+            <a:spLocks noGrp="1"/>
+          </p:cNvSpPr>
+          <p:nvPr>
+            <p:ph type="title"/>
+          </p:nvPr>
+        </p:nvSpPr>
+        <p:spPr/>
+        <p:txBody>
+          <a:bodyPr/>
+          <a:lstStyle/>
+          <a:p>
+            <a:r>
+              <a:rPr lang="en-US" dirty="0"/>
+              <a:t>Frames</a:t>
+            </a:r>
+          </a:p>
+        </p:txBody>
+      </p:sp>
+      <p:sp>
+        <p:nvSpPr>
+          <p:cNvPr id="3" name="Content Placeholder 2"/>
+          <p:cNvSpPr>
+            <a:spLocks noGrp="1"/>
+          </p:cNvSpPr>
+          <p:nvPr>
+            <p:ph idx="1"/>
+          </p:nvPr>
+        </p:nvSpPr>
+        <p:spPr/>
+        <p:txBody>
+          <a:bodyPr/>
+          <a:lstStyle/>
+          <a:p>
+            <a:r>
+              <a:rPr lang="en-US" dirty="0"/>
+              <a:t>Container that can be placed within a window</a:t>
+            </a:r>
+          </a:p>
+          <a:p>
+            <a:r>
+              <a:rPr lang="en-US" dirty="0"/>
+              <a:t>Holds other widgets</a:t>
+            </a:r>
+          </a:p>
+          <a:p>
+            <a:r>
+              <a:rPr lang="en-US" dirty="0"/>
+              <a:t>Each frame has its own grid layout, independent of the main window</a:t>
+            </a:r>
+          </a:p>
+          <a:p>
+            <a:r>
+              <a:rPr lang="en-US" dirty="0"/>
+              <a:t>You can use a different layout manager for each container</a:t>
+            </a:r>
+          </a:p>
+          <a:p>
+            <a:endParaRPr lang="en-US" dirty="0"/>
+          </a:p>
+          <a:p>
+            <a:pPr marL="0" indent="0">
+              <a:buNone/>
+            </a:pPr>
+            <a:endParaRPr lang="en-US" dirty="0"/>
+          </a:p>
+        </p:txBody>
+      </p:sp>
+    </p:spTree>
+    <p:extLst>
+      <p:ext uri="{BB962C8B-B14F-4D97-AF65-F5344CB8AC3E}">
+        <p14:creationId xmlns:p14="http://schemas.microsoft.com/office/powerpoint/2010/main" val="359188948"/>
+      </p:ext>
+    </p:extLst>
+  </p:cSld>
+  <p:clrMapOvr>
+    <a:masterClrMapping/>
+  </p:clrMapOvr>
+</p:sld>
+</file>
+
+<file path=ppt/slides/slide15.xml><?xml version="1.0" encoding="utf-8"?>
+<p:sld xmlns:a="http://schemas.openxmlformats.org/drawingml/2006/main" xmlns:r="http://schemas.openxmlformats.org/officeDocument/2006/relationships" xmlns:p="http://schemas.openxmlformats.org/presentationml/2006/main">
+  <p:cSld>
+    <p:spTree>
+      <p:nvGrpSpPr>
+        <p:cNvPr id="1" name=""/>
+        <p:cNvGrpSpPr/>
+        <p:nvPr/>
+      </p:nvGrpSpPr>
+      <p:grpSpPr>
+        <a:xfrm>
+          <a:off x="0" y="0"/>
+          <a:ext cx="0" cy="0"/>
+          <a:chOff x="0" y="0"/>
+          <a:chExt cx="0" cy="0"/>
+        </a:xfrm>
+      </p:grpSpPr>
+      <p:sp>
+        <p:nvSpPr>
+          <p:cNvPr id="2" name="Title 1"/>
+          <p:cNvSpPr>
+            <a:spLocks noGrp="1"/>
+          </p:cNvSpPr>
+          <p:nvPr>
+            <p:ph type="title"/>
+          </p:nvPr>
+        </p:nvSpPr>
+        <p:spPr/>
+        <p:txBody>
+          <a:bodyPr/>
+          <a:lstStyle/>
+          <a:p>
+            <a:r>
+              <a:rPr lang="en-US" dirty="0"/>
+              <a:t>Example: Frames (use within GUI class)</a:t>
+            </a:r>
+          </a:p>
+        </p:txBody>
+      </p:sp>
+      <p:sp>
+        <p:nvSpPr>
+          <p:cNvPr id="3" name="Content Placeholder 2"/>
+          <p:cNvSpPr>
+            <a:spLocks noGrp="1"/>
+          </p:cNvSpPr>
+          <p:nvPr>
+            <p:ph idx="1"/>
+          </p:nvPr>
+        </p:nvSpPr>
+        <p:spPr/>
+        <p:txBody>
+          <a:bodyPr>
+            <a:normAutofit fontScale="92500" lnSpcReduction="20000"/>
+          </a:bodyPr>
+          <a:lstStyle/>
+          <a:p>
+            <a:pPr marL="0" indent="0">
+              <a:buNone/>
+            </a:pPr>
+            <a:r>
+              <a:rPr lang="en-US" sz="2200" dirty="0">
+                <a:latin typeface="Consolas" panose="020B0609020204030204" pitchFamily="49" charset="0"/>
+              </a:rPr>
+              <a:t>f1 = Frame(win, height=100, width=100, </a:t>
+            </a:r>
+            <a:r>
+              <a:rPr lang="en-US" sz="2200" dirty="0" err="1">
+                <a:latin typeface="Consolas" panose="020B0609020204030204" pitchFamily="49" charset="0"/>
+              </a:rPr>
+              <a:t>bd</a:t>
+            </a:r>
+            <a:r>
+              <a:rPr lang="en-US" sz="2200" dirty="0">
+                <a:latin typeface="Consolas" panose="020B0609020204030204" pitchFamily="49" charset="0"/>
+              </a:rPr>
+              <a:t>=1, relief=SUNKEN)</a:t>
+            </a:r>
+          </a:p>
+          <a:p>
+            <a:pPr marL="0" indent="0">
+              <a:buNone/>
+            </a:pPr>
+            <a:r>
+              <a:rPr lang="en-US" sz="2200" dirty="0">
+                <a:latin typeface="Consolas" panose="020B0609020204030204" pitchFamily="49" charset="0"/>
+              </a:rPr>
+              <a:t>f2 = Frame(win, height=100, width=100, </a:t>
+            </a:r>
+            <a:r>
+              <a:rPr lang="en-US" sz="2200" dirty="0" err="1">
+                <a:latin typeface="Consolas" panose="020B0609020204030204" pitchFamily="49" charset="0"/>
+              </a:rPr>
+              <a:t>bd</a:t>
+            </a:r>
+            <a:r>
+              <a:rPr lang="en-US" sz="2200" dirty="0">
+                <a:latin typeface="Consolas" panose="020B0609020204030204" pitchFamily="49" charset="0"/>
+              </a:rPr>
+              <a:t>=1, relief=SUNKEN)</a:t>
+            </a:r>
+          </a:p>
+          <a:p>
+            <a:pPr marL="0" indent="0">
+              <a:buNone/>
+            </a:pPr>
+            <a:endParaRPr lang="en-US" sz="2200" dirty="0">
+              <a:latin typeface="Consolas" panose="020B0609020204030204" pitchFamily="49" charset="0"/>
+            </a:endParaRPr>
+          </a:p>
+          <a:p>
+            <a:pPr marL="0" indent="0">
+              <a:buNone/>
+            </a:pPr>
+            <a:r>
+              <a:rPr lang="en-US" sz="2200" dirty="0">
+                <a:latin typeface="Consolas" panose="020B0609020204030204" pitchFamily="49" charset="0"/>
+              </a:rPr>
+              <a:t>f1.grid(row=0, column=0, sticky=EW)</a:t>
+            </a:r>
+          </a:p>
+          <a:p>
+            <a:pPr marL="0" indent="0">
+              <a:buNone/>
+            </a:pPr>
+            <a:r>
+              <a:rPr lang="en-US" sz="2200" dirty="0">
+                <a:latin typeface="Consolas" panose="020B0609020204030204" pitchFamily="49" charset="0"/>
+              </a:rPr>
+              <a:t>f2.grid(row=0, column=1, sticky=EW)</a:t>
+            </a:r>
+          </a:p>
+          <a:p>
+            <a:pPr marL="0" indent="0">
+              <a:buNone/>
+            </a:pPr>
+            <a:endParaRPr lang="en-US" sz="2200" dirty="0">
+              <a:latin typeface="Consolas" panose="020B0609020204030204" pitchFamily="49" charset="0"/>
+            </a:endParaRPr>
+          </a:p>
+          <a:p>
+            <a:pPr marL="0" indent="0">
+              <a:buNone/>
+            </a:pPr>
+            <a:r>
+              <a:rPr lang="en-US" sz="2200" dirty="0">
+                <a:latin typeface="Consolas" panose="020B0609020204030204" pitchFamily="49" charset="0"/>
+              </a:rPr>
+              <a:t># self.l1 will be used for another method later</a:t>
+            </a:r>
+          </a:p>
+          <a:p>
+            <a:pPr marL="0" indent="0">
+              <a:buNone/>
+            </a:pPr>
+            <a:r>
+              <a:rPr lang="en-US" sz="2200" dirty="0">
+                <a:latin typeface="Consolas" panose="020B0609020204030204" pitchFamily="49" charset="0"/>
+              </a:rPr>
+              <a:t>self.l1 = Label(f1, text="One", height=5, width=5)</a:t>
+            </a:r>
+          </a:p>
+          <a:p>
+            <a:pPr marL="0" indent="0">
+              <a:buNone/>
+            </a:pPr>
+            <a:r>
+              <a:rPr lang="en-US" sz="2200" dirty="0">
+                <a:latin typeface="Consolas" panose="020B0609020204030204" pitchFamily="49" charset="0"/>
+              </a:rPr>
+              <a:t>self.l1.grid(row=0, column=0)</a:t>
+            </a:r>
+          </a:p>
+          <a:p>
+            <a:pPr marL="0" indent="0">
+              <a:buNone/>
+            </a:pPr>
+            <a:r>
+              <a:rPr lang="en-US" sz="2200" dirty="0">
+                <a:latin typeface="Consolas" panose="020B0609020204030204" pitchFamily="49" charset="0"/>
+              </a:rPr>
+              <a:t>Label(f1, text="Two", height=5, width=5).grid(row=0, column=1)</a:t>
+            </a:r>
+          </a:p>
+          <a:p>
+            <a:pPr marL="0" indent="0">
+              <a:buNone/>
+            </a:pPr>
+            <a:r>
+              <a:rPr lang="en-US" sz="2200" dirty="0">
+                <a:latin typeface="Consolas" panose="020B0609020204030204" pitchFamily="49" charset="0"/>
+              </a:rPr>
+              <a:t>Label(f2, text="Three", height=5, width=5).pack(side=LEFT)</a:t>
+            </a:r>
+          </a:p>
+          <a:p>
+            <a:pPr marL="0" indent="0">
+              <a:buNone/>
+            </a:pPr>
+            <a:r>
+              <a:rPr lang="en-US" sz="2200" dirty="0">
+                <a:latin typeface="Consolas" panose="020B0609020204030204" pitchFamily="49" charset="0"/>
+              </a:rPr>
+              <a:t>Label(f2, text="Four", height=5, width=5).pack(side=LEFT)</a:t>
+            </a:r>
+          </a:p>
+        </p:txBody>
+      </p:sp>
+    </p:spTree>
+    <p:extLst>
+      <p:ext uri="{BB962C8B-B14F-4D97-AF65-F5344CB8AC3E}">
+        <p14:creationId xmlns:p14="http://schemas.microsoft.com/office/powerpoint/2010/main" val="1777478866"/>
+      </p:ext>
+    </p:extLst>
+  </p:cSld>
+  <p:clrMapOvr>
+    <a:masterClrMapping/>
+  </p:clrMapOvr>
+</p:sld>
+</file>
+
+<file path=ppt/slides/slide16.xml><?xml version="1.0" encoding="utf-8"?>
+<p:sld xmlns:a="http://schemas.openxmlformats.org/drawingml/2006/main" xmlns:r="http://schemas.openxmlformats.org/officeDocument/2006/relationships" xmlns:p="http://schemas.openxmlformats.org/presentationml/2006/main">
+  <p:cSld>
+    <p:spTree>
+      <p:nvGrpSpPr>
+        <p:cNvPr id="1" name=""/>
+        <p:cNvGrpSpPr/>
+        <p:nvPr/>
+      </p:nvGrpSpPr>
+      <p:grpSpPr>
+        <a:xfrm>
+          <a:off x="0" y="0"/>
+          <a:ext cx="0" cy="0"/>
+          <a:chOff x="0" y="0"/>
+          <a:chExt cx="0" cy="0"/>
+        </a:xfrm>
+      </p:grpSpPr>
+      <p:sp>
+        <p:nvSpPr>
+          <p:cNvPr id="2" name="Title 1"/>
+          <p:cNvSpPr>
+            <a:spLocks noGrp="1"/>
+          </p:cNvSpPr>
+          <p:nvPr>
+            <p:ph type="title"/>
+          </p:nvPr>
+        </p:nvSpPr>
+        <p:spPr/>
+        <p:txBody>
+          <a:bodyPr/>
+          <a:lstStyle/>
+          <a:p>
+            <a:r>
+              <a:rPr lang="en-US" dirty="0" err="1"/>
+              <a:t>Radiobuttons</a:t>
+            </a:r>
+            <a:endParaRPr lang="en-US" dirty="0"/>
+          </a:p>
+        </p:txBody>
+      </p:sp>
+      <p:sp>
+        <p:nvSpPr>
+          <p:cNvPr id="3" name="Content Placeholder 2"/>
+          <p:cNvSpPr>
+            <a:spLocks noGrp="1"/>
+          </p:cNvSpPr>
+          <p:nvPr>
+            <p:ph idx="1"/>
+          </p:nvPr>
+        </p:nvSpPr>
+        <p:spPr/>
+        <p:txBody>
+          <a:bodyPr/>
+          <a:lstStyle/>
+          <a:p>
+            <a:r>
+              <a:rPr lang="en-US" dirty="0"/>
+              <a:t>Allows the user to choose from one or more options</a:t>
+            </a:r>
+          </a:p>
+          <a:p>
+            <a:r>
+              <a:rPr lang="en-US" dirty="0"/>
+              <a:t>Can be linked to other </a:t>
+            </a:r>
+            <a:r>
+              <a:rPr lang="en-US" dirty="0" err="1"/>
+              <a:t>Radiobuttons</a:t>
+            </a:r>
+            <a:r>
+              <a:rPr lang="en-US" dirty="0"/>
+              <a:t> with </a:t>
+            </a:r>
+            <a:r>
+              <a:rPr lang="en-US" dirty="0" err="1"/>
+              <a:t>StringVars</a:t>
+            </a:r>
+            <a:r>
+              <a:rPr lang="en-US" dirty="0"/>
+              <a:t> and </a:t>
+            </a:r>
+            <a:r>
+              <a:rPr lang="en-US" dirty="0" err="1"/>
+              <a:t>IntVars</a:t>
+            </a:r>
+            <a:endParaRPr lang="en-US" dirty="0"/>
+          </a:p>
+          <a:p>
+            <a:r>
+              <a:rPr lang="en-US" dirty="0"/>
+              <a:t>If configured correctly, only one </a:t>
+            </a:r>
+            <a:r>
+              <a:rPr lang="en-US" dirty="0" err="1"/>
+              <a:t>Radiobuttons</a:t>
+            </a:r>
+            <a:r>
+              <a:rPr lang="en-US" dirty="0"/>
+              <a:t> from a group can be selected at </a:t>
+            </a:r>
+            <a:r>
+              <a:rPr lang="en-US" dirty="0" err="1"/>
+              <a:t>at</a:t>
+            </a:r>
+            <a:r>
+              <a:rPr lang="en-US" dirty="0"/>
+              <a:t> time</a:t>
+            </a:r>
+          </a:p>
+        </p:txBody>
+      </p:sp>
+    </p:spTree>
+    <p:extLst>
+      <p:ext uri="{BB962C8B-B14F-4D97-AF65-F5344CB8AC3E}">
+        <p14:creationId xmlns:p14="http://schemas.microsoft.com/office/powerpoint/2010/main" val="2099189772"/>
+      </p:ext>
+    </p:extLst>
+  </p:cSld>
+  <p:clrMapOvr>
+    <a:masterClrMapping/>
+  </p:clrMapOvr>
+</p:sld>
+</file>
+
+<file path=ppt/slides/slide17.xml><?xml version="1.0" encoding="utf-8"?>
+<p:sld xmlns:a="http://schemas.openxmlformats.org/drawingml/2006/main" xmlns:r="http://schemas.openxmlformats.org/officeDocument/2006/relationships" xmlns:p="http://schemas.openxmlformats.org/presentationml/2006/main">
+  <p:cSld>
+    <p:spTree>
+      <p:nvGrpSpPr>
+        <p:cNvPr id="1" name=""/>
+        <p:cNvGrpSpPr/>
+        <p:nvPr/>
+      </p:nvGrpSpPr>
+      <p:grpSpPr>
+        <a:xfrm>
+          <a:off x="0" y="0"/>
+          <a:ext cx="0" cy="0"/>
+          <a:chOff x="0" y="0"/>
+          <a:chExt cx="0" cy="0"/>
+        </a:xfrm>
+      </p:grpSpPr>
+      <p:sp>
+        <p:nvSpPr>
+          <p:cNvPr id="2" name="Title 1"/>
+          <p:cNvSpPr>
+            <a:spLocks noGrp="1"/>
+          </p:cNvSpPr>
+          <p:nvPr>
+            <p:ph type="title"/>
+          </p:nvPr>
+        </p:nvSpPr>
+        <p:spPr/>
+        <p:txBody>
+          <a:bodyPr/>
+          <a:lstStyle/>
+          <a:p>
+            <a:r>
+              <a:rPr lang="en-US" dirty="0" err="1"/>
+              <a:t>StringVars</a:t>
+            </a:r>
+            <a:r>
+              <a:rPr lang="en-US" dirty="0"/>
+              <a:t> and </a:t>
+            </a:r>
+            <a:r>
+              <a:rPr lang="en-US" dirty="0" err="1"/>
+              <a:t>IntVars</a:t>
+            </a:r>
+            <a:endParaRPr lang="en-US" dirty="0"/>
+          </a:p>
+        </p:txBody>
+      </p:sp>
+      <p:sp>
+        <p:nvSpPr>
+          <p:cNvPr id="3" name="Content Placeholder 2"/>
+          <p:cNvSpPr>
+            <a:spLocks noGrp="1"/>
+          </p:cNvSpPr>
+          <p:nvPr>
+            <p:ph idx="1"/>
+          </p:nvPr>
+        </p:nvSpPr>
+        <p:spPr/>
+        <p:txBody>
+          <a:bodyPr/>
+          <a:lstStyle/>
+          <a:p>
+            <a:r>
+              <a:rPr lang="en-US" dirty="0"/>
+              <a:t>Two variable classes included in </a:t>
+            </a:r>
+            <a:r>
+              <a:rPr lang="en-US" dirty="0" err="1"/>
+              <a:t>Tkinter</a:t>
+            </a:r>
+            <a:endParaRPr lang="en-US" dirty="0"/>
+          </a:p>
+          <a:p>
+            <a:r>
+              <a:rPr lang="en-US" dirty="0"/>
+              <a:t>Have .set() method to set their value</a:t>
+            </a:r>
+          </a:p>
+          <a:p>
+            <a:pPr lvl="1"/>
+            <a:r>
+              <a:rPr lang="en-US" dirty="0"/>
+              <a:t>e.g. </a:t>
+            </a:r>
+            <a:r>
+              <a:rPr lang="en-US" dirty="0" err="1"/>
+              <a:t>my_string_var.set</a:t>
+            </a:r>
+            <a:r>
+              <a:rPr lang="en-US" dirty="0"/>
+              <a:t>(“Hello”)</a:t>
+            </a:r>
+          </a:p>
+          <a:p>
+            <a:pPr lvl="1"/>
+            <a:r>
+              <a:rPr lang="en-US" dirty="0" err="1"/>
+              <a:t>StringVars</a:t>
+            </a:r>
+            <a:r>
+              <a:rPr lang="en-US" dirty="0"/>
+              <a:t> have string value, </a:t>
+            </a:r>
+            <a:r>
+              <a:rPr lang="en-US" dirty="0" err="1"/>
+              <a:t>IntVars</a:t>
+            </a:r>
+            <a:r>
+              <a:rPr lang="en-US" dirty="0"/>
+              <a:t> have integer value</a:t>
+            </a:r>
+          </a:p>
+          <a:p>
+            <a:r>
+              <a:rPr lang="en-US" dirty="0"/>
+              <a:t>Have .get() method to get their value</a:t>
+            </a:r>
+          </a:p>
+          <a:p>
+            <a:pPr lvl="1"/>
+            <a:r>
+              <a:rPr lang="en-US" dirty="0"/>
+              <a:t>e.g. </a:t>
+            </a:r>
+            <a:r>
+              <a:rPr lang="en-US" dirty="0" err="1"/>
+              <a:t>val</a:t>
+            </a:r>
+            <a:r>
+              <a:rPr lang="en-US" dirty="0"/>
+              <a:t> = </a:t>
+            </a:r>
+            <a:r>
+              <a:rPr lang="en-US" dirty="0" err="1"/>
+              <a:t>my_string_var.get</a:t>
+            </a:r>
+            <a:r>
+              <a:rPr lang="en-US" dirty="0"/>
+              <a:t>()</a:t>
+            </a:r>
+          </a:p>
+          <a:p>
+            <a:r>
+              <a:rPr lang="en-US" dirty="0"/>
+              <a:t>Can be passed in as “variable” argument when creating a </a:t>
+            </a:r>
+            <a:r>
+              <a:rPr lang="en-US" dirty="0" err="1"/>
+              <a:t>Radiobutton</a:t>
+            </a:r>
+            <a:r>
+              <a:rPr lang="en-US" dirty="0"/>
+              <a:t>, or “</a:t>
+            </a:r>
+            <a:r>
+              <a:rPr lang="en-US" dirty="0" err="1"/>
+              <a:t>textvariable</a:t>
+            </a:r>
+            <a:r>
+              <a:rPr lang="en-US" dirty="0"/>
+              <a:t>” argument when creating an Entry</a:t>
+            </a:r>
+          </a:p>
+          <a:p>
+            <a:pPr lvl="1"/>
+            <a:endParaRPr lang="en-US" dirty="0"/>
+          </a:p>
+        </p:txBody>
+      </p:sp>
+    </p:spTree>
+    <p:extLst>
+      <p:ext uri="{BB962C8B-B14F-4D97-AF65-F5344CB8AC3E}">
+        <p14:creationId xmlns:p14="http://schemas.microsoft.com/office/powerpoint/2010/main" val="1709189260"/>
+      </p:ext>
+    </p:extLst>
+  </p:cSld>
+  <p:clrMapOvr>
+    <a:masterClrMapping/>
+  </p:clrMapOvr>
+</p:sld>
+</file>
+
+<file path=ppt/slides/slide18.xml><?xml version="1.0" encoding="utf-8"?>
+<p:sld xmlns:a="http://schemas.openxmlformats.org/drawingml/2006/main" xmlns:r="http://schemas.openxmlformats.org/officeDocument/2006/relationships" xmlns:p="http://schemas.openxmlformats.org/presentationml/2006/main">
+  <p:cSld>
+    <p:spTree>
+      <p:nvGrpSpPr>
+        <p:cNvPr id="1" name=""/>
+        <p:cNvGrpSpPr/>
+        <p:nvPr/>
+      </p:nvGrpSpPr>
+      <p:grpSpPr>
+        <a:xfrm>
+          <a:off x="0" y="0"/>
+          <a:ext cx="0" cy="0"/>
+          <a:chOff x="0" y="0"/>
+          <a:chExt cx="0" cy="0"/>
+        </a:xfrm>
+      </p:grpSpPr>
+      <p:sp>
+        <p:nvSpPr>
+          <p:cNvPr id="2" name="Title 1"/>
+          <p:cNvSpPr>
+            <a:spLocks noGrp="1"/>
+          </p:cNvSpPr>
+          <p:nvPr>
+            <p:ph type="title"/>
+          </p:nvPr>
+        </p:nvSpPr>
+        <p:spPr/>
+        <p:txBody>
+          <a:bodyPr/>
+          <a:lstStyle/>
+          <a:p>
+            <a:r>
+              <a:rPr lang="en-US" dirty="0"/>
+              <a:t>Exercise</a:t>
+            </a:r>
+          </a:p>
+        </p:txBody>
+      </p:sp>
+      <p:sp>
+        <p:nvSpPr>
+          <p:cNvPr id="3" name="Content Placeholder 2"/>
+          <p:cNvSpPr>
+            <a:spLocks noGrp="1"/>
+          </p:cNvSpPr>
+          <p:nvPr>
+            <p:ph idx="1"/>
+          </p:nvPr>
+        </p:nvSpPr>
+        <p:spPr/>
+        <p:txBody>
+          <a:bodyPr/>
+          <a:lstStyle/>
+          <a:p>
+            <a:r>
+              <a:rPr lang="en-US" dirty="0"/>
+              <a:t>Revisit our Adder example from the last class</a:t>
+            </a:r>
+          </a:p>
+          <a:p>
+            <a:r>
+              <a:rPr lang="en-US" dirty="0"/>
+              <a:t>Instead of using </a:t>
+            </a:r>
+            <a:r>
+              <a:rPr lang="en-US" dirty="0" err="1"/>
+              <a:t>Entry.insert</a:t>
+            </a:r>
+            <a:r>
+              <a:rPr lang="en-US" dirty="0"/>
+              <a:t> and </a:t>
+            </a:r>
+            <a:r>
+              <a:rPr lang="en-US" dirty="0" err="1"/>
+              <a:t>Entry.delete</a:t>
+            </a:r>
+            <a:r>
+              <a:rPr lang="en-US" dirty="0"/>
+              <a:t>, use a </a:t>
+            </a:r>
+            <a:r>
+              <a:rPr lang="en-US" dirty="0" err="1"/>
+              <a:t>StringVar</a:t>
+            </a:r>
+            <a:r>
+              <a:rPr lang="en-US" dirty="0"/>
+              <a:t> to change the text of the result Entry</a:t>
+            </a:r>
+          </a:p>
+          <a:p>
+            <a:r>
+              <a:rPr lang="en-US" dirty="0"/>
+              <a:t>See what happens if you don’t set the Entry state to “normal” before changing the text!</a:t>
+            </a:r>
+          </a:p>
+        </p:txBody>
+      </p:sp>
+    </p:spTree>
+    <p:extLst>
+      <p:ext uri="{BB962C8B-B14F-4D97-AF65-F5344CB8AC3E}">
+        <p14:creationId xmlns:p14="http://schemas.microsoft.com/office/powerpoint/2010/main" val="1306543334"/>
+      </p:ext>
+    </p:extLst>
+  </p:cSld>
+  <p:clrMapOvr>
+    <a:masterClrMapping/>
+  </p:clrMapOvr>
+</p:sld>
+</file>
+
+<file path=ppt/slides/slide19.xml><?xml version="1.0" encoding="utf-8"?>
+<p:sld xmlns:a="http://schemas.openxmlformats.org/drawingml/2006/main" xmlns:r="http://schemas.openxmlformats.org/officeDocument/2006/relationships" xmlns:p="http://schemas.openxmlformats.org/presentationml/2006/main">
+  <p:cSld>
+    <p:spTree>
+      <p:nvGrpSpPr>
+        <p:cNvPr id="1" name=""/>
+        <p:cNvGrpSpPr/>
+        <p:nvPr/>
+      </p:nvGrpSpPr>
+      <p:grpSpPr>
+        <a:xfrm>
+          <a:off x="0" y="0"/>
+          <a:ext cx="0" cy="0"/>
+          <a:chOff x="0" y="0"/>
+          <a:chExt cx="0" cy="0"/>
+        </a:xfrm>
+      </p:grpSpPr>
+      <p:sp>
+        <p:nvSpPr>
+          <p:cNvPr id="2" name="Title 1"/>
+          <p:cNvSpPr>
+            <a:spLocks noGrp="1"/>
+          </p:cNvSpPr>
+          <p:nvPr>
+            <p:ph type="title"/>
+          </p:nvPr>
+        </p:nvSpPr>
+        <p:spPr/>
+        <p:txBody>
+          <a:bodyPr/>
+          <a:lstStyle/>
+          <a:p>
+            <a:r>
+              <a:rPr lang="en-US" dirty="0"/>
+              <a:t>Adding </a:t>
+            </a:r>
+            <a:r>
+              <a:rPr lang="en-US" dirty="0" err="1"/>
+              <a:t>Radiobuttons</a:t>
+            </a:r>
+            <a:r>
+              <a:rPr lang="en-US" dirty="0"/>
+              <a:t> to our Frame example</a:t>
+            </a:r>
+          </a:p>
+        </p:txBody>
+      </p:sp>
+      <p:sp>
+        <p:nvSpPr>
+          <p:cNvPr id="3" name="Content Placeholder 2"/>
+          <p:cNvSpPr>
+            <a:spLocks noGrp="1"/>
+          </p:cNvSpPr>
+          <p:nvPr>
+            <p:ph idx="1"/>
+          </p:nvPr>
+        </p:nvSpPr>
+        <p:spPr/>
+        <p:txBody>
+          <a:bodyPr>
+            <a:normAutofit fontScale="62500" lnSpcReduction="20000"/>
+          </a:bodyPr>
+          <a:lstStyle/>
+          <a:p>
+            <a:pPr marL="0" indent="0">
+              <a:buNone/>
+            </a:pPr>
+            <a:r>
+              <a:rPr lang="en-US" dirty="0" err="1">
+                <a:latin typeface="Consolas" panose="020B0609020204030204" pitchFamily="49" charset="0"/>
+              </a:rPr>
+              <a:t>self.color</a:t>
+            </a:r>
+            <a:r>
+              <a:rPr lang="en-US" dirty="0">
+                <a:latin typeface="Consolas" panose="020B0609020204030204" pitchFamily="49" charset="0"/>
+              </a:rPr>
+              <a:t> = </a:t>
+            </a:r>
+            <a:r>
+              <a:rPr lang="en-US" dirty="0" err="1">
+                <a:latin typeface="Consolas" panose="020B0609020204030204" pitchFamily="49" charset="0"/>
+              </a:rPr>
+              <a:t>StringVar</a:t>
+            </a:r>
+            <a:r>
+              <a:rPr lang="en-US" dirty="0">
+                <a:latin typeface="Consolas" panose="020B0609020204030204" pitchFamily="49" charset="0"/>
+              </a:rPr>
+              <a:t>()</a:t>
+            </a:r>
+          </a:p>
+          <a:p>
+            <a:pPr marL="0" indent="0">
+              <a:buNone/>
+            </a:pPr>
+            <a:endParaRPr lang="en-US" dirty="0">
+              <a:latin typeface="Consolas" panose="020B0609020204030204" pitchFamily="49" charset="0"/>
+            </a:endParaRPr>
+          </a:p>
+          <a:p>
+            <a:pPr marL="0" indent="0">
+              <a:buNone/>
+            </a:pPr>
+            <a:r>
+              <a:rPr lang="en-US" dirty="0">
+                <a:latin typeface="Consolas" panose="020B0609020204030204" pitchFamily="49" charset="0"/>
+              </a:rPr>
+              <a:t>rb1 = </a:t>
+            </a:r>
+            <a:r>
+              <a:rPr lang="en-US" dirty="0" err="1">
+                <a:latin typeface="Consolas" panose="020B0609020204030204" pitchFamily="49" charset="0"/>
+              </a:rPr>
+              <a:t>Radiobutton</a:t>
+            </a:r>
+            <a:r>
+              <a:rPr lang="en-US" dirty="0">
+                <a:latin typeface="Consolas" panose="020B0609020204030204" pitchFamily="49" charset="0"/>
+              </a:rPr>
+              <a:t>(win, text="Red", variable=</a:t>
+            </a:r>
+            <a:r>
+              <a:rPr lang="en-US" dirty="0" err="1">
+                <a:latin typeface="Consolas" panose="020B0609020204030204" pitchFamily="49" charset="0"/>
+              </a:rPr>
+              <a:t>self.color</a:t>
+            </a:r>
+            <a:r>
+              <a:rPr lang="en-US" dirty="0">
+                <a:latin typeface="Consolas" panose="020B0609020204030204" pitchFamily="49" charset="0"/>
+              </a:rPr>
+              <a:t>, value="red")</a:t>
+            </a:r>
+          </a:p>
+          <a:p>
+            <a:pPr marL="0" indent="0">
+              <a:buNone/>
+            </a:pPr>
+            <a:r>
+              <a:rPr lang="en-US" dirty="0">
+                <a:latin typeface="Consolas" panose="020B0609020204030204" pitchFamily="49" charset="0"/>
+              </a:rPr>
+              <a:t>rb2 = </a:t>
+            </a:r>
+            <a:r>
+              <a:rPr lang="en-US" dirty="0" err="1">
+                <a:latin typeface="Consolas" panose="020B0609020204030204" pitchFamily="49" charset="0"/>
+              </a:rPr>
+              <a:t>Radiobutton</a:t>
+            </a:r>
+            <a:r>
+              <a:rPr lang="en-US" dirty="0">
+                <a:latin typeface="Consolas" panose="020B0609020204030204" pitchFamily="49" charset="0"/>
+              </a:rPr>
+              <a:t>(win, text="Blue", variable=</a:t>
+            </a:r>
+            <a:r>
+              <a:rPr lang="en-US" dirty="0" err="1">
+                <a:latin typeface="Consolas" panose="020B0609020204030204" pitchFamily="49" charset="0"/>
+              </a:rPr>
+              <a:t>self.color</a:t>
+            </a:r>
+            <a:r>
+              <a:rPr lang="en-US" dirty="0">
+                <a:latin typeface="Consolas" panose="020B0609020204030204" pitchFamily="49" charset="0"/>
+              </a:rPr>
+              <a:t>, value="blue")</a:t>
+            </a:r>
+          </a:p>
+          <a:p>
+            <a:pPr marL="0" indent="0">
+              <a:buNone/>
+            </a:pPr>
+            <a:r>
+              <a:rPr lang="en-US" dirty="0">
+                <a:latin typeface="Consolas" panose="020B0609020204030204" pitchFamily="49" charset="0"/>
+              </a:rPr>
+              <a:t>rb3 = </a:t>
+            </a:r>
+            <a:r>
+              <a:rPr lang="en-US" dirty="0" err="1">
+                <a:latin typeface="Consolas" panose="020B0609020204030204" pitchFamily="49" charset="0"/>
+              </a:rPr>
+              <a:t>Radiobutton</a:t>
+            </a:r>
+            <a:r>
+              <a:rPr lang="en-US" dirty="0">
+                <a:latin typeface="Consolas" panose="020B0609020204030204" pitchFamily="49" charset="0"/>
+              </a:rPr>
+              <a:t>(win, text="Green", variable=</a:t>
+            </a:r>
+            <a:r>
+              <a:rPr lang="en-US" dirty="0" err="1">
+                <a:latin typeface="Consolas" panose="020B0609020204030204" pitchFamily="49" charset="0"/>
+              </a:rPr>
+              <a:t>self.color</a:t>
+            </a:r>
+            <a:r>
+              <a:rPr lang="en-US" dirty="0">
+                <a:latin typeface="Consolas" panose="020B0609020204030204" pitchFamily="49" charset="0"/>
+              </a:rPr>
+              <a:t>, value="green")</a:t>
+            </a:r>
+          </a:p>
+          <a:p>
+            <a:pPr marL="0" indent="0">
+              <a:buNone/>
+            </a:pPr>
+            <a:endParaRPr lang="en-US" dirty="0">
+              <a:latin typeface="Consolas" panose="020B0609020204030204" pitchFamily="49" charset="0"/>
+            </a:endParaRPr>
+          </a:p>
+          <a:p>
+            <a:pPr marL="0" indent="0">
+              <a:buNone/>
+            </a:pPr>
+            <a:r>
+              <a:rPr lang="en-US" dirty="0" err="1">
+                <a:latin typeface="Consolas" panose="020B0609020204030204" pitchFamily="49" charset="0"/>
+              </a:rPr>
+              <a:t>self.color.set</a:t>
+            </a:r>
+            <a:r>
+              <a:rPr lang="en-US" dirty="0">
+                <a:latin typeface="Consolas" panose="020B0609020204030204" pitchFamily="49" charset="0"/>
+              </a:rPr>
+              <a:t>("unknown") # deselects all </a:t>
+            </a:r>
+            <a:r>
+              <a:rPr lang="en-US" dirty="0" err="1">
+                <a:latin typeface="Consolas" panose="020B0609020204030204" pitchFamily="49" charset="0"/>
+              </a:rPr>
+              <a:t>radiobuttons</a:t>
+            </a:r>
+            <a:r>
+              <a:rPr lang="en-US" dirty="0">
+                <a:latin typeface="Consolas" panose="020B0609020204030204" pitchFamily="49" charset="0"/>
+              </a:rPr>
+              <a:t> linked to </a:t>
+            </a:r>
+            <a:r>
+              <a:rPr lang="en-US" dirty="0" err="1">
+                <a:latin typeface="Consolas" panose="020B0609020204030204" pitchFamily="49" charset="0"/>
+              </a:rPr>
+              <a:t>self.color</a:t>
+            </a:r>
+            <a:endParaRPr lang="en-US" dirty="0">
+              <a:latin typeface="Consolas" panose="020B0609020204030204" pitchFamily="49" charset="0"/>
+            </a:endParaRPr>
+          </a:p>
+          <a:p>
+            <a:pPr marL="0" indent="0">
+              <a:buNone/>
+            </a:pPr>
+            <a:endParaRPr lang="en-US" dirty="0">
+              <a:latin typeface="Consolas" panose="020B0609020204030204" pitchFamily="49" charset="0"/>
+            </a:endParaRPr>
+          </a:p>
+          <a:p>
+            <a:pPr marL="0" indent="0">
+              <a:buNone/>
+            </a:pPr>
+            <a:r>
+              <a:rPr lang="en-US" dirty="0">
+                <a:latin typeface="Consolas" panose="020B0609020204030204" pitchFamily="49" charset="0"/>
+              </a:rPr>
+              <a:t>rb1.grid(row=1, column=0)</a:t>
+            </a:r>
+          </a:p>
+          <a:p>
+            <a:pPr marL="0" indent="0">
+              <a:buNone/>
+            </a:pPr>
+            <a:r>
+              <a:rPr lang="en-US" dirty="0">
+                <a:latin typeface="Consolas" panose="020B0609020204030204" pitchFamily="49" charset="0"/>
+              </a:rPr>
+              <a:t>rb2.grid(row=2, column=0)</a:t>
+            </a:r>
+          </a:p>
+          <a:p>
+            <a:pPr marL="0" indent="0">
+              <a:buNone/>
+            </a:pPr>
+            <a:r>
+              <a:rPr lang="en-US" dirty="0">
+                <a:latin typeface="Consolas" panose="020B0609020204030204" pitchFamily="49" charset="0"/>
+              </a:rPr>
+              <a:t>rb3.grid(row=3, column=0)</a:t>
+            </a:r>
+          </a:p>
+          <a:p>
+            <a:pPr marL="0" indent="0">
+              <a:buNone/>
+            </a:pPr>
+            <a:endParaRPr lang="en-US" dirty="0">
+              <a:latin typeface="Consolas" panose="020B0609020204030204" pitchFamily="49" charset="0"/>
+            </a:endParaRPr>
+          </a:p>
+          <a:p>
+            <a:pPr marL="0" indent="0">
+              <a:buNone/>
+            </a:pPr>
+            <a:r>
+              <a:rPr lang="en-US" dirty="0">
+                <a:latin typeface="Consolas" panose="020B0609020204030204" pitchFamily="49" charset="0"/>
+              </a:rPr>
+              <a:t>Button(win, text="Change Color", command=</a:t>
+            </a:r>
+            <a:r>
+              <a:rPr lang="en-US" dirty="0" err="1">
+                <a:latin typeface="Consolas" panose="020B0609020204030204" pitchFamily="49" charset="0"/>
+              </a:rPr>
+              <a:t>self.change_color</a:t>
+            </a:r>
+            <a:r>
+              <a:rPr lang="en-US" dirty="0">
+                <a:latin typeface="Consolas" panose="020B0609020204030204" pitchFamily="49" charset="0"/>
+              </a:rPr>
+              <a:t>).grid(row=1, column=1)</a:t>
+            </a:r>
+          </a:p>
+        </p:txBody>
+      </p:sp>
+    </p:spTree>
+    <p:extLst>
+      <p:ext uri="{BB962C8B-B14F-4D97-AF65-F5344CB8AC3E}">
+        <p14:creationId xmlns:p14="http://schemas.microsoft.com/office/powerpoint/2010/main" val="3818966655"/>
+      </p:ext>
+    </p:extLst>
+  </p:cSld>
+  <p:clrMapOvr>
+    <a:masterClrMapping/>
+  </p:clrMapOvr>
+</p:sld>
+</file>
+
 <file path=ppt/slides/slide2.xml><?xml version="1.0" encoding="utf-8"?>
 <p:sld xmlns:a="http://schemas.openxmlformats.org/drawingml/2006/main" xmlns:r="http://schemas.openxmlformats.org/officeDocument/2006/relationships" xmlns:p="http://schemas.openxmlformats.org/presentationml/2006/main">
   <p:cSld>
@@ -5376,6 +6542,1010 @@
     <p:extLst>
       <p:ext uri="{BB962C8B-B14F-4D97-AF65-F5344CB8AC3E}">
         <p14:creationId xmlns:p14="http://schemas.microsoft.com/office/powerpoint/2010/main" val="415781752"/>
+      </p:ext>
+    </p:extLst>
+  </p:cSld>
+  <p:clrMapOvr>
+    <a:masterClrMapping/>
+  </p:clrMapOvr>
+</p:sld>
+</file>
+
+<file path=ppt/slides/slide20.xml><?xml version="1.0" encoding="utf-8"?>
+<p:sld xmlns:a="http://schemas.openxmlformats.org/drawingml/2006/main" xmlns:r="http://schemas.openxmlformats.org/officeDocument/2006/relationships" xmlns:p="http://schemas.openxmlformats.org/presentationml/2006/main">
+  <p:cSld>
+    <p:spTree>
+      <p:nvGrpSpPr>
+        <p:cNvPr id="1" name=""/>
+        <p:cNvGrpSpPr/>
+        <p:nvPr/>
+      </p:nvGrpSpPr>
+      <p:grpSpPr>
+        <a:xfrm>
+          <a:off x="0" y="0"/>
+          <a:ext cx="0" cy="0"/>
+          <a:chOff x="0" y="0"/>
+          <a:chExt cx="0" cy="0"/>
+        </a:xfrm>
+      </p:grpSpPr>
+      <p:sp>
+        <p:nvSpPr>
+          <p:cNvPr id="2" name="Title 1"/>
+          <p:cNvSpPr>
+            <a:spLocks noGrp="1"/>
+          </p:cNvSpPr>
+          <p:nvPr>
+            <p:ph type="title"/>
+          </p:nvPr>
+        </p:nvSpPr>
+        <p:spPr/>
+        <p:txBody>
+          <a:bodyPr/>
+          <a:lstStyle/>
+          <a:p>
+            <a:r>
+              <a:rPr lang="en-US" dirty="0"/>
+              <a:t>Adding </a:t>
+            </a:r>
+            <a:r>
+              <a:rPr lang="en-US" dirty="0" err="1"/>
+              <a:t>Radiobuttons</a:t>
+            </a:r>
+            <a:r>
+              <a:rPr lang="en-US" dirty="0"/>
+              <a:t> to our Frame example</a:t>
+            </a:r>
+          </a:p>
+        </p:txBody>
+      </p:sp>
+      <p:sp>
+        <p:nvSpPr>
+          <p:cNvPr id="3" name="Content Placeholder 2"/>
+          <p:cNvSpPr>
+            <a:spLocks noGrp="1"/>
+          </p:cNvSpPr>
+          <p:nvPr>
+            <p:ph idx="1"/>
+          </p:nvPr>
+        </p:nvSpPr>
+        <p:spPr/>
+        <p:txBody>
+          <a:bodyPr>
+            <a:normAutofit/>
+          </a:bodyPr>
+          <a:lstStyle/>
+          <a:p>
+            <a:pPr marL="0" indent="0">
+              <a:buNone/>
+            </a:pPr>
+            <a:r>
+              <a:rPr lang="en-US" sz="2000" dirty="0" err="1">
+                <a:latin typeface="Consolas" panose="020B0609020204030204" pitchFamily="49" charset="0"/>
+              </a:rPr>
+              <a:t>def</a:t>
+            </a:r>
+            <a:r>
+              <a:rPr lang="en-US" sz="2000" dirty="0">
+                <a:latin typeface="Consolas" panose="020B0609020204030204" pitchFamily="49" charset="0"/>
+              </a:rPr>
+              <a:t> </a:t>
+            </a:r>
+            <a:r>
+              <a:rPr lang="en-US" sz="2000" dirty="0" err="1">
+                <a:latin typeface="Consolas" panose="020B0609020204030204" pitchFamily="49" charset="0"/>
+              </a:rPr>
+              <a:t>change_color</a:t>
+            </a:r>
+            <a:r>
+              <a:rPr lang="en-US" sz="2000" dirty="0">
+                <a:latin typeface="Consolas" panose="020B0609020204030204" pitchFamily="49" charset="0"/>
+              </a:rPr>
+              <a:t>(self):</a:t>
+            </a:r>
+          </a:p>
+          <a:p>
+            <a:pPr marL="0" indent="0">
+              <a:buNone/>
+            </a:pPr>
+            <a:r>
+              <a:rPr lang="en-US" sz="2000" dirty="0">
+                <a:latin typeface="Consolas" panose="020B0609020204030204" pitchFamily="49" charset="0"/>
+              </a:rPr>
+              <a:t>	</a:t>
+            </a:r>
+            <a:r>
+              <a:rPr lang="en-US" sz="2000" dirty="0" err="1">
+                <a:latin typeface="Consolas" panose="020B0609020204030204" pitchFamily="49" charset="0"/>
+              </a:rPr>
+              <a:t>new_color</a:t>
+            </a:r>
+            <a:r>
+              <a:rPr lang="en-US" sz="2000" dirty="0">
+                <a:latin typeface="Consolas" panose="020B0609020204030204" pitchFamily="49" charset="0"/>
+              </a:rPr>
+              <a:t> = </a:t>
+            </a:r>
+            <a:r>
+              <a:rPr lang="en-US" sz="2000" dirty="0" err="1">
+                <a:latin typeface="Consolas" panose="020B0609020204030204" pitchFamily="49" charset="0"/>
+              </a:rPr>
+              <a:t>self.color.get</a:t>
+            </a:r>
+            <a:r>
+              <a:rPr lang="en-US" sz="2000" dirty="0">
+                <a:latin typeface="Consolas" panose="020B0609020204030204" pitchFamily="49" charset="0"/>
+              </a:rPr>
+              <a:t>()</a:t>
+            </a:r>
+          </a:p>
+          <a:p>
+            <a:pPr marL="0" indent="0">
+              <a:buNone/>
+            </a:pPr>
+            <a:r>
+              <a:rPr lang="en-US" sz="2000" dirty="0">
+                <a:latin typeface="Consolas" panose="020B0609020204030204" pitchFamily="49" charset="0"/>
+              </a:rPr>
+              <a:t>	if </a:t>
+            </a:r>
+            <a:r>
+              <a:rPr lang="en-US" sz="2000" dirty="0" err="1">
+                <a:latin typeface="Consolas" panose="020B0609020204030204" pitchFamily="49" charset="0"/>
+              </a:rPr>
+              <a:t>new_color</a:t>
+            </a:r>
+            <a:r>
+              <a:rPr lang="en-US" sz="2000" dirty="0">
+                <a:latin typeface="Consolas" panose="020B0609020204030204" pitchFamily="49" charset="0"/>
+              </a:rPr>
+              <a:t> == "unknown":</a:t>
+            </a:r>
+          </a:p>
+          <a:p>
+            <a:pPr marL="0" indent="0">
+              <a:buNone/>
+            </a:pPr>
+            <a:r>
+              <a:rPr lang="en-US" sz="2000" dirty="0">
+                <a:latin typeface="Consolas" panose="020B0609020204030204" pitchFamily="49" charset="0"/>
+              </a:rPr>
+              <a:t>		pass</a:t>
+            </a:r>
+          </a:p>
+          <a:p>
+            <a:pPr marL="0" indent="0">
+              <a:buNone/>
+            </a:pPr>
+            <a:r>
+              <a:rPr lang="en-US" sz="2000" dirty="0">
+                <a:latin typeface="Consolas" panose="020B0609020204030204" pitchFamily="49" charset="0"/>
+              </a:rPr>
+              <a:t>       else:</a:t>
+            </a:r>
+          </a:p>
+          <a:p>
+            <a:pPr marL="0" indent="0">
+              <a:buNone/>
+            </a:pPr>
+            <a:r>
+              <a:rPr lang="en-US" sz="2000" dirty="0">
+                <a:latin typeface="Consolas" panose="020B0609020204030204" pitchFamily="49" charset="0"/>
+              </a:rPr>
+              <a:t>       	self.l1.config(</a:t>
+            </a:r>
+            <a:r>
+              <a:rPr lang="en-US" sz="2000" dirty="0" err="1">
+                <a:latin typeface="Consolas" panose="020B0609020204030204" pitchFamily="49" charset="0"/>
+              </a:rPr>
+              <a:t>bg</a:t>
+            </a:r>
+            <a:r>
+              <a:rPr lang="en-US" sz="2000" dirty="0">
+                <a:latin typeface="Consolas" panose="020B0609020204030204" pitchFamily="49" charset="0"/>
+              </a:rPr>
+              <a:t>=</a:t>
+            </a:r>
+            <a:r>
+              <a:rPr lang="en-US" sz="2000" dirty="0" err="1">
+                <a:latin typeface="Consolas" panose="020B0609020204030204" pitchFamily="49" charset="0"/>
+              </a:rPr>
+              <a:t>new_color</a:t>
+            </a:r>
+            <a:r>
+              <a:rPr lang="en-US" sz="2000" dirty="0">
+                <a:latin typeface="Consolas" panose="020B0609020204030204" pitchFamily="49" charset="0"/>
+              </a:rPr>
+              <a:t>)</a:t>
+            </a:r>
+          </a:p>
+        </p:txBody>
+      </p:sp>
+      <p:pic>
+        <p:nvPicPr>
+          <p:cNvPr id="4" name="Picture 3"/>
+          <p:cNvPicPr>
+            <a:picLocks noChangeAspect="1"/>
+          </p:cNvPicPr>
+          <p:nvPr/>
+        </p:nvPicPr>
+        <p:blipFill>
+          <a:blip r:embed="rId2"/>
+          <a:stretch>
+            <a:fillRect/>
+          </a:stretch>
+        </p:blipFill>
+        <p:spPr>
+          <a:xfrm>
+            <a:off x="7648802" y="1825625"/>
+            <a:ext cx="3704998" cy="4019998"/>
+          </a:xfrm>
+          <a:prstGeom prst="rect">
+            <a:avLst/>
+          </a:prstGeom>
+        </p:spPr>
+      </p:pic>
+    </p:spTree>
+    <p:extLst>
+      <p:ext uri="{BB962C8B-B14F-4D97-AF65-F5344CB8AC3E}">
+        <p14:creationId xmlns:p14="http://schemas.microsoft.com/office/powerpoint/2010/main" val="2342025991"/>
+      </p:ext>
+    </p:extLst>
+  </p:cSld>
+  <p:clrMapOvr>
+    <a:masterClrMapping/>
+  </p:clrMapOvr>
+</p:sld>
+</file>
+
+<file path=ppt/slides/slide21.xml><?xml version="1.0" encoding="utf-8"?>
+<p:sld xmlns:a="http://schemas.openxmlformats.org/drawingml/2006/main" xmlns:r="http://schemas.openxmlformats.org/officeDocument/2006/relationships" xmlns:p="http://schemas.openxmlformats.org/presentationml/2006/main">
+  <p:cSld>
+    <p:spTree>
+      <p:nvGrpSpPr>
+        <p:cNvPr id="1" name=""/>
+        <p:cNvGrpSpPr/>
+        <p:nvPr/>
+      </p:nvGrpSpPr>
+      <p:grpSpPr>
+        <a:xfrm>
+          <a:off x="0" y="0"/>
+          <a:ext cx="0" cy="0"/>
+          <a:chOff x="0" y="0"/>
+          <a:chExt cx="0" cy="0"/>
+        </a:xfrm>
+      </p:grpSpPr>
+      <p:sp>
+        <p:nvSpPr>
+          <p:cNvPr id="2" name="Title 1"/>
+          <p:cNvSpPr>
+            <a:spLocks noGrp="1"/>
+          </p:cNvSpPr>
+          <p:nvPr>
+            <p:ph type="title"/>
+          </p:nvPr>
+        </p:nvSpPr>
+        <p:spPr/>
+        <p:txBody>
+          <a:bodyPr/>
+          <a:lstStyle/>
+          <a:p>
+            <a:r>
+              <a:rPr lang="en-US" dirty="0"/>
+              <a:t>Additional Exercise</a:t>
+            </a:r>
+          </a:p>
+        </p:txBody>
+      </p:sp>
+      <p:sp>
+        <p:nvSpPr>
+          <p:cNvPr id="3" name="Content Placeholder 2"/>
+          <p:cNvSpPr>
+            <a:spLocks noGrp="1"/>
+          </p:cNvSpPr>
+          <p:nvPr>
+            <p:ph idx="1"/>
+          </p:nvPr>
+        </p:nvSpPr>
+        <p:spPr/>
+        <p:txBody>
+          <a:bodyPr/>
+          <a:lstStyle/>
+          <a:p>
+            <a:r>
+              <a:rPr lang="en-US" dirty="0"/>
+              <a:t>Add another set of </a:t>
+            </a:r>
+            <a:r>
+              <a:rPr lang="en-US" dirty="0" err="1"/>
+              <a:t>Radiobuttons</a:t>
+            </a:r>
+            <a:r>
+              <a:rPr lang="en-US" dirty="0"/>
+              <a:t> to the GUI</a:t>
+            </a:r>
+          </a:p>
+          <a:p>
+            <a:pPr lvl="1"/>
+            <a:r>
+              <a:rPr lang="en-US" dirty="0"/>
+              <a:t>Separate from those linked to </a:t>
+            </a:r>
+            <a:r>
+              <a:rPr lang="en-US" dirty="0" err="1"/>
+              <a:t>self.change_color</a:t>
+            </a:r>
+            <a:endParaRPr lang="en-US" dirty="0"/>
+          </a:p>
+          <a:p>
+            <a:r>
+              <a:rPr lang="en-US" dirty="0"/>
+              <a:t>There should be four </a:t>
+            </a:r>
+            <a:r>
+              <a:rPr lang="en-US" dirty="0" err="1"/>
+              <a:t>Radiobuttons</a:t>
+            </a:r>
+            <a:r>
+              <a:rPr lang="en-US" dirty="0"/>
+              <a:t>, each linked to one of the labels</a:t>
+            </a:r>
+          </a:p>
+          <a:p>
+            <a:r>
+              <a:rPr lang="en-US" dirty="0"/>
+              <a:t>Create an </a:t>
+            </a:r>
+            <a:r>
+              <a:rPr lang="en-US" dirty="0" err="1"/>
+              <a:t>IntVar</a:t>
+            </a:r>
+            <a:r>
+              <a:rPr lang="en-US" dirty="0"/>
+              <a:t> to use as the variable for these </a:t>
+            </a:r>
+            <a:r>
+              <a:rPr lang="en-US" dirty="0" err="1"/>
+              <a:t>Radiobuttons</a:t>
+            </a:r>
+            <a:endParaRPr lang="en-US" dirty="0"/>
+          </a:p>
+          <a:p>
+            <a:r>
+              <a:rPr lang="en-US" dirty="0"/>
+              <a:t>The user’s selection should determine which Label will change color when the button is clicked.</a:t>
+            </a:r>
+          </a:p>
+        </p:txBody>
+      </p:sp>
+    </p:spTree>
+    <p:extLst>
+      <p:ext uri="{BB962C8B-B14F-4D97-AF65-F5344CB8AC3E}">
+        <p14:creationId xmlns:p14="http://schemas.microsoft.com/office/powerpoint/2010/main" val="3313258513"/>
+      </p:ext>
+    </p:extLst>
+  </p:cSld>
+  <p:clrMapOvr>
+    <a:masterClrMapping/>
+  </p:clrMapOvr>
+</p:sld>
+</file>
+
+<file path=ppt/slides/slide22.xml><?xml version="1.0" encoding="utf-8"?>
+<p:sld xmlns:a="http://schemas.openxmlformats.org/drawingml/2006/main" xmlns:r="http://schemas.openxmlformats.org/officeDocument/2006/relationships" xmlns:p="http://schemas.openxmlformats.org/presentationml/2006/main">
+  <p:cSld>
+    <p:spTree>
+      <p:nvGrpSpPr>
+        <p:cNvPr id="1" name=""/>
+        <p:cNvGrpSpPr/>
+        <p:nvPr/>
+      </p:nvGrpSpPr>
+      <p:grpSpPr>
+        <a:xfrm>
+          <a:off x="0" y="0"/>
+          <a:ext cx="0" cy="0"/>
+          <a:chOff x="0" y="0"/>
+          <a:chExt cx="0" cy="0"/>
+        </a:xfrm>
+      </p:grpSpPr>
+      <p:sp>
+        <p:nvSpPr>
+          <p:cNvPr id="2" name="Title 1"/>
+          <p:cNvSpPr>
+            <a:spLocks noGrp="1"/>
+          </p:cNvSpPr>
+          <p:nvPr>
+            <p:ph type="title"/>
+          </p:nvPr>
+        </p:nvSpPr>
+        <p:spPr/>
+        <p:txBody>
+          <a:bodyPr/>
+          <a:lstStyle/>
+          <a:p>
+            <a:r>
+              <a:rPr lang="en-US" dirty="0"/>
+              <a:t>Root Window vs. </a:t>
+            </a:r>
+            <a:r>
+              <a:rPr lang="en-US" dirty="0" err="1"/>
+              <a:t>Toplevels</a:t>
+            </a:r>
+            <a:endParaRPr lang="en-US" dirty="0"/>
+          </a:p>
+        </p:txBody>
+      </p:sp>
+      <p:sp>
+        <p:nvSpPr>
+          <p:cNvPr id="3" name="Content Placeholder 2"/>
+          <p:cNvSpPr>
+            <a:spLocks noGrp="1"/>
+          </p:cNvSpPr>
+          <p:nvPr>
+            <p:ph idx="1"/>
+          </p:nvPr>
+        </p:nvSpPr>
+        <p:spPr/>
+        <p:txBody>
+          <a:bodyPr/>
+          <a:lstStyle/>
+          <a:p>
+            <a:r>
+              <a:rPr lang="en-US" dirty="0"/>
+              <a:t>The root window is your main window (</a:t>
+            </a:r>
+            <a:r>
+              <a:rPr lang="en-US" dirty="0" err="1"/>
+              <a:t>Tk</a:t>
+            </a:r>
+            <a:r>
+              <a:rPr lang="en-US" dirty="0"/>
+              <a:t>)</a:t>
+            </a:r>
+          </a:p>
+          <a:p>
+            <a:r>
+              <a:rPr lang="en-US" dirty="0"/>
+              <a:t>A GUI application should have only one root window</a:t>
+            </a:r>
+          </a:p>
+          <a:p>
+            <a:r>
+              <a:rPr lang="en-US" dirty="0"/>
+              <a:t>Any additional windows should be </a:t>
+            </a:r>
+            <a:r>
+              <a:rPr lang="en-US" dirty="0" err="1"/>
+              <a:t>Toplevels</a:t>
+            </a:r>
+            <a:endParaRPr lang="en-US" dirty="0"/>
+          </a:p>
+          <a:p>
+            <a:r>
+              <a:rPr lang="en-US" dirty="0"/>
+              <a:t>Hide windows with .withdraw()</a:t>
+            </a:r>
+          </a:p>
+          <a:p>
+            <a:r>
+              <a:rPr lang="en-US" dirty="0"/>
+              <a:t>Show windows with .</a:t>
+            </a:r>
+            <a:r>
+              <a:rPr lang="en-US" dirty="0" err="1"/>
+              <a:t>deiconify</a:t>
+            </a:r>
+            <a:r>
+              <a:rPr lang="en-US" dirty="0"/>
+              <a:t>()</a:t>
+            </a:r>
+          </a:p>
+          <a:p>
+            <a:r>
+              <a:rPr lang="en-US" dirty="0"/>
+              <a:t>Delete windows with .destroy() (they will be gone forever!)</a:t>
+            </a:r>
+          </a:p>
+          <a:p>
+            <a:r>
+              <a:rPr lang="en-US" dirty="0"/>
+              <a:t>If you destroy the root window, all </a:t>
+            </a:r>
+            <a:r>
+              <a:rPr lang="en-US" dirty="0" err="1"/>
+              <a:t>Toplevels</a:t>
+            </a:r>
+            <a:r>
+              <a:rPr lang="en-US" dirty="0"/>
+              <a:t> will also be destroyed</a:t>
+            </a:r>
+          </a:p>
+        </p:txBody>
+      </p:sp>
+    </p:spTree>
+    <p:extLst>
+      <p:ext uri="{BB962C8B-B14F-4D97-AF65-F5344CB8AC3E}">
+        <p14:creationId xmlns:p14="http://schemas.microsoft.com/office/powerpoint/2010/main" val="2555526084"/>
+      </p:ext>
+    </p:extLst>
+  </p:cSld>
+  <p:clrMapOvr>
+    <a:masterClrMapping/>
+  </p:clrMapOvr>
+</p:sld>
+</file>
+
+<file path=ppt/slides/slide23.xml><?xml version="1.0" encoding="utf-8"?>
+<p:sld xmlns:a="http://schemas.openxmlformats.org/drawingml/2006/main" xmlns:r="http://schemas.openxmlformats.org/officeDocument/2006/relationships" xmlns:p="http://schemas.openxmlformats.org/presentationml/2006/main">
+  <p:cSld>
+    <p:spTree>
+      <p:nvGrpSpPr>
+        <p:cNvPr id="1" name=""/>
+        <p:cNvGrpSpPr/>
+        <p:nvPr/>
+      </p:nvGrpSpPr>
+      <p:grpSpPr>
+        <a:xfrm>
+          <a:off x="0" y="0"/>
+          <a:ext cx="0" cy="0"/>
+          <a:chOff x="0" y="0"/>
+          <a:chExt cx="0" cy="0"/>
+        </a:xfrm>
+      </p:grpSpPr>
+      <p:sp>
+        <p:nvSpPr>
+          <p:cNvPr id="2" name="Title 1"/>
+          <p:cNvSpPr>
+            <a:spLocks noGrp="1"/>
+          </p:cNvSpPr>
+          <p:nvPr>
+            <p:ph type="title"/>
+          </p:nvPr>
+        </p:nvSpPr>
+        <p:spPr/>
+        <p:txBody>
+          <a:bodyPr/>
+          <a:lstStyle/>
+          <a:p>
+            <a:r>
+              <a:rPr lang="en-US" dirty="0"/>
+              <a:t>Adding multiple windows to our example:</a:t>
+            </a:r>
+          </a:p>
+        </p:txBody>
+      </p:sp>
+      <p:sp>
+        <p:nvSpPr>
+          <p:cNvPr id="3" name="Content Placeholder 2"/>
+          <p:cNvSpPr>
+            <a:spLocks noGrp="1"/>
+          </p:cNvSpPr>
+          <p:nvPr>
+            <p:ph idx="1"/>
+          </p:nvPr>
+        </p:nvSpPr>
+        <p:spPr/>
+        <p:txBody>
+          <a:bodyPr>
+            <a:normAutofit/>
+          </a:bodyPr>
+          <a:lstStyle/>
+          <a:p>
+            <a:pPr marL="0" indent="0">
+              <a:buNone/>
+            </a:pPr>
+            <a:r>
+              <a:rPr lang="en-US" sz="1800" dirty="0">
+                <a:latin typeface="Consolas" panose="020B0609020204030204" pitchFamily="49" charset="0"/>
+              </a:rPr>
+              <a:t># in __</a:t>
+            </a:r>
+            <a:r>
+              <a:rPr lang="en-US" sz="1800" dirty="0" err="1">
+                <a:latin typeface="Consolas" panose="020B0609020204030204" pitchFamily="49" charset="0"/>
+              </a:rPr>
+              <a:t>init</a:t>
+            </a:r>
+            <a:r>
+              <a:rPr lang="en-US" sz="1800" dirty="0">
+                <a:latin typeface="Consolas" panose="020B0609020204030204" pitchFamily="49" charset="0"/>
+              </a:rPr>
+              <a:t>__ method, add line: </a:t>
+            </a:r>
+            <a:r>
+              <a:rPr lang="en-US" sz="1800" dirty="0" err="1">
+                <a:latin typeface="Consolas" panose="020B0609020204030204" pitchFamily="49" charset="0"/>
+              </a:rPr>
+              <a:t>self.root</a:t>
+            </a:r>
+            <a:r>
+              <a:rPr lang="en-US" sz="1800" dirty="0">
+                <a:latin typeface="Consolas" panose="020B0609020204030204" pitchFamily="49" charset="0"/>
+              </a:rPr>
+              <a:t> = win</a:t>
+            </a:r>
+          </a:p>
+          <a:p>
+            <a:pPr marL="0" indent="0">
+              <a:buNone/>
+            </a:pPr>
+            <a:endParaRPr lang="en-US" sz="1800" dirty="0">
+              <a:latin typeface="Consolas" panose="020B0609020204030204" pitchFamily="49" charset="0"/>
+            </a:endParaRPr>
+          </a:p>
+          <a:p>
+            <a:pPr marL="0" indent="0">
+              <a:buNone/>
+            </a:pPr>
+            <a:r>
+              <a:rPr lang="en-US" sz="1800" dirty="0" err="1">
+                <a:latin typeface="Consolas" panose="020B0609020204030204" pitchFamily="49" charset="0"/>
+              </a:rPr>
+              <a:t>def</a:t>
+            </a:r>
+            <a:r>
+              <a:rPr lang="en-US" sz="1800" dirty="0">
+                <a:latin typeface="Consolas" panose="020B0609020204030204" pitchFamily="49" charset="0"/>
+              </a:rPr>
+              <a:t> </a:t>
+            </a:r>
+            <a:r>
+              <a:rPr lang="en-US" sz="1800" dirty="0" err="1">
+                <a:latin typeface="Consolas" panose="020B0609020204030204" pitchFamily="49" charset="0"/>
+              </a:rPr>
+              <a:t>new_window</a:t>
+            </a:r>
+            <a:r>
+              <a:rPr lang="en-US" sz="1800" dirty="0">
+                <a:latin typeface="Consolas" panose="020B0609020204030204" pitchFamily="49" charset="0"/>
+              </a:rPr>
+              <a:t>(self):</a:t>
+            </a:r>
+          </a:p>
+          <a:p>
+            <a:pPr marL="0" indent="0">
+              <a:buNone/>
+            </a:pPr>
+            <a:r>
+              <a:rPr lang="en-US" sz="1800" dirty="0">
+                <a:latin typeface="Consolas" panose="020B0609020204030204" pitchFamily="49" charset="0"/>
+              </a:rPr>
+              <a:t>	</a:t>
+            </a:r>
+            <a:r>
+              <a:rPr lang="en-US" sz="1800" dirty="0" err="1">
+                <a:latin typeface="Consolas" panose="020B0609020204030204" pitchFamily="49" charset="0"/>
+              </a:rPr>
+              <a:t>self.root.withdraw</a:t>
+            </a:r>
+            <a:r>
+              <a:rPr lang="en-US" sz="1800" dirty="0">
+                <a:latin typeface="Consolas" panose="020B0609020204030204" pitchFamily="49" charset="0"/>
+              </a:rPr>
+              <a:t>()</a:t>
+            </a:r>
+          </a:p>
+          <a:p>
+            <a:pPr marL="0" indent="0">
+              <a:buNone/>
+            </a:pPr>
+            <a:r>
+              <a:rPr lang="en-US" sz="1800" dirty="0">
+                <a:latin typeface="Consolas" panose="020B0609020204030204" pitchFamily="49" charset="0"/>
+              </a:rPr>
+              <a:t>	</a:t>
+            </a:r>
+            <a:r>
+              <a:rPr lang="en-US" sz="1800" dirty="0" err="1">
+                <a:latin typeface="Consolas" panose="020B0609020204030204" pitchFamily="49" charset="0"/>
+              </a:rPr>
+              <a:t>self.new</a:t>
+            </a:r>
+            <a:r>
+              <a:rPr lang="en-US" sz="1800" dirty="0">
+                <a:latin typeface="Consolas" panose="020B0609020204030204" pitchFamily="49" charset="0"/>
+              </a:rPr>
+              <a:t> = </a:t>
+            </a:r>
+            <a:r>
+              <a:rPr lang="en-US" sz="1800" dirty="0" err="1">
+                <a:latin typeface="Consolas" panose="020B0609020204030204" pitchFamily="49" charset="0"/>
+              </a:rPr>
+              <a:t>Toplevel</a:t>
+            </a:r>
+            <a:r>
+              <a:rPr lang="en-US" sz="1800" dirty="0">
+                <a:latin typeface="Consolas" panose="020B0609020204030204" pitchFamily="49" charset="0"/>
+              </a:rPr>
+              <a:t>()</a:t>
+            </a:r>
+          </a:p>
+          <a:p>
+            <a:pPr marL="0" indent="0">
+              <a:buNone/>
+            </a:pPr>
+            <a:r>
+              <a:rPr lang="en-US" sz="1800" dirty="0">
+                <a:latin typeface="Consolas" panose="020B0609020204030204" pitchFamily="49" charset="0"/>
+              </a:rPr>
+              <a:t>	Label(</a:t>
+            </a:r>
+            <a:r>
+              <a:rPr lang="en-US" sz="1800" dirty="0" err="1">
+                <a:latin typeface="Consolas" panose="020B0609020204030204" pitchFamily="49" charset="0"/>
+              </a:rPr>
+              <a:t>self.new</a:t>
+            </a:r>
+            <a:r>
+              <a:rPr lang="en-US" sz="1800" dirty="0">
+                <a:latin typeface="Consolas" panose="020B0609020204030204" pitchFamily="49" charset="0"/>
+              </a:rPr>
+              <a:t>, width=30, height=10, text="I'm a new window!").pack()</a:t>
+            </a:r>
+          </a:p>
+          <a:p>
+            <a:pPr marL="0" indent="0">
+              <a:buNone/>
+            </a:pPr>
+            <a:r>
+              <a:rPr lang="en-US" sz="1800" dirty="0">
+                <a:latin typeface="Consolas" panose="020B0609020204030204" pitchFamily="49" charset="0"/>
+              </a:rPr>
+              <a:t>	Button(</a:t>
+            </a:r>
+            <a:r>
+              <a:rPr lang="en-US" sz="1800" dirty="0" err="1">
+                <a:latin typeface="Consolas" panose="020B0609020204030204" pitchFamily="49" charset="0"/>
+              </a:rPr>
+              <a:t>self.new</a:t>
+            </a:r>
+            <a:r>
+              <a:rPr lang="en-US" sz="1800" dirty="0">
+                <a:latin typeface="Consolas" panose="020B0609020204030204" pitchFamily="49" charset="0"/>
+              </a:rPr>
+              <a:t>, text="Close window", command=</a:t>
+            </a:r>
+            <a:r>
+              <a:rPr lang="en-US" sz="1800" dirty="0" err="1">
+                <a:latin typeface="Consolas" panose="020B0609020204030204" pitchFamily="49" charset="0"/>
+              </a:rPr>
+              <a:t>self.close_new</a:t>
+            </a:r>
+            <a:r>
+              <a:rPr lang="en-US" sz="1800" dirty="0">
+                <a:latin typeface="Consolas" panose="020B0609020204030204" pitchFamily="49" charset="0"/>
+              </a:rPr>
+              <a:t>).pack()</a:t>
+            </a:r>
+          </a:p>
+          <a:p>
+            <a:pPr marL="0" indent="0">
+              <a:buNone/>
+            </a:pPr>
+            <a:endParaRPr lang="en-US" sz="1800" dirty="0">
+              <a:latin typeface="Consolas" panose="020B0609020204030204" pitchFamily="49" charset="0"/>
+            </a:endParaRPr>
+          </a:p>
+          <a:p>
+            <a:pPr marL="0" indent="0">
+              <a:buNone/>
+            </a:pPr>
+            <a:r>
+              <a:rPr lang="en-US" sz="1800" dirty="0" err="1">
+                <a:latin typeface="Consolas" panose="020B0609020204030204" pitchFamily="49" charset="0"/>
+              </a:rPr>
+              <a:t>def</a:t>
+            </a:r>
+            <a:r>
+              <a:rPr lang="en-US" sz="1800" dirty="0">
+                <a:latin typeface="Consolas" panose="020B0609020204030204" pitchFamily="49" charset="0"/>
+              </a:rPr>
+              <a:t> </a:t>
+            </a:r>
+            <a:r>
+              <a:rPr lang="en-US" sz="1800" dirty="0" err="1">
+                <a:latin typeface="Consolas" panose="020B0609020204030204" pitchFamily="49" charset="0"/>
+              </a:rPr>
+              <a:t>close_new</a:t>
+            </a:r>
+            <a:r>
+              <a:rPr lang="en-US" sz="1800" dirty="0">
+                <a:latin typeface="Consolas" panose="020B0609020204030204" pitchFamily="49" charset="0"/>
+              </a:rPr>
+              <a:t>(self):</a:t>
+            </a:r>
+          </a:p>
+          <a:p>
+            <a:pPr marL="0" indent="0">
+              <a:buNone/>
+            </a:pPr>
+            <a:r>
+              <a:rPr lang="en-US" sz="1800" dirty="0">
+                <a:latin typeface="Consolas" panose="020B0609020204030204" pitchFamily="49" charset="0"/>
+              </a:rPr>
+              <a:t>	</a:t>
+            </a:r>
+            <a:r>
+              <a:rPr lang="en-US" sz="1800" dirty="0" err="1">
+                <a:latin typeface="Consolas" panose="020B0609020204030204" pitchFamily="49" charset="0"/>
+              </a:rPr>
+              <a:t>self.new.destroy</a:t>
+            </a:r>
+            <a:r>
+              <a:rPr lang="en-US" sz="1800" dirty="0">
+                <a:latin typeface="Consolas" panose="020B0609020204030204" pitchFamily="49" charset="0"/>
+              </a:rPr>
+              <a:t>() # destroy new window</a:t>
+            </a:r>
+          </a:p>
+          <a:p>
+            <a:pPr marL="0" indent="0">
+              <a:buNone/>
+            </a:pPr>
+            <a:r>
+              <a:rPr lang="en-US" sz="1800" dirty="0">
+                <a:latin typeface="Consolas" panose="020B0609020204030204" pitchFamily="49" charset="0"/>
+              </a:rPr>
+              <a:t>	</a:t>
+            </a:r>
+            <a:r>
+              <a:rPr lang="en-US" sz="1800" dirty="0" err="1">
+                <a:latin typeface="Consolas" panose="020B0609020204030204" pitchFamily="49" charset="0"/>
+              </a:rPr>
+              <a:t>self.root.deiconify</a:t>
+            </a:r>
+            <a:r>
+              <a:rPr lang="en-US" sz="1800" dirty="0">
+                <a:latin typeface="Consolas" panose="020B0609020204030204" pitchFamily="49" charset="0"/>
+              </a:rPr>
+              <a:t>() # show root window</a:t>
+            </a:r>
+          </a:p>
+        </p:txBody>
+      </p:sp>
+    </p:spTree>
+    <p:extLst>
+      <p:ext uri="{BB962C8B-B14F-4D97-AF65-F5344CB8AC3E}">
+        <p14:creationId xmlns:p14="http://schemas.microsoft.com/office/powerpoint/2010/main" val="1788072560"/>
+      </p:ext>
+    </p:extLst>
+  </p:cSld>
+  <p:clrMapOvr>
+    <a:masterClrMapping/>
+  </p:clrMapOvr>
+</p:sld>
+</file>
+
+<file path=ppt/slides/slide24.xml><?xml version="1.0" encoding="utf-8"?>
+<p:sld xmlns:a="http://schemas.openxmlformats.org/drawingml/2006/main" xmlns:r="http://schemas.openxmlformats.org/officeDocument/2006/relationships" xmlns:p="http://schemas.openxmlformats.org/presentationml/2006/main">
+  <p:cSld>
+    <p:spTree>
+      <p:nvGrpSpPr>
+        <p:cNvPr id="1" name=""/>
+        <p:cNvGrpSpPr/>
+        <p:nvPr/>
+      </p:nvGrpSpPr>
+      <p:grpSpPr>
+        <a:xfrm>
+          <a:off x="0" y="0"/>
+          <a:ext cx="0" cy="0"/>
+          <a:chOff x="0" y="0"/>
+          <a:chExt cx="0" cy="0"/>
+        </a:xfrm>
+      </p:grpSpPr>
+      <p:sp>
+        <p:nvSpPr>
+          <p:cNvPr id="2" name="Title 1"/>
+          <p:cNvSpPr>
+            <a:spLocks noGrp="1"/>
+          </p:cNvSpPr>
+          <p:nvPr>
+            <p:ph type="title"/>
+          </p:nvPr>
+        </p:nvSpPr>
+        <p:spPr/>
+        <p:txBody>
+          <a:bodyPr/>
+          <a:lstStyle/>
+          <a:p>
+            <a:r>
+              <a:rPr lang="en-US" dirty="0"/>
+              <a:t>Changing the GUI appearance</a:t>
+            </a:r>
+          </a:p>
+        </p:txBody>
+      </p:sp>
+      <p:sp>
+        <p:nvSpPr>
+          <p:cNvPr id="3" name="Content Placeholder 2"/>
+          <p:cNvSpPr>
+            <a:spLocks noGrp="1"/>
+          </p:cNvSpPr>
+          <p:nvPr>
+            <p:ph idx="1"/>
+          </p:nvPr>
+        </p:nvSpPr>
+        <p:spPr/>
+        <p:txBody>
+          <a:bodyPr/>
+          <a:lstStyle/>
+          <a:p>
+            <a:r>
+              <a:rPr lang="en-US" dirty="0"/>
+              <a:t>GUI windows and widgets have many optional parameters to change their appearance</a:t>
+            </a:r>
+          </a:p>
+          <a:p>
+            <a:r>
+              <a:rPr lang="en-US" dirty="0" err="1"/>
+              <a:t>bg</a:t>
+            </a:r>
+            <a:r>
+              <a:rPr lang="en-US" dirty="0"/>
+              <a:t>: background color</a:t>
+            </a:r>
+          </a:p>
+          <a:p>
+            <a:r>
+              <a:rPr lang="en-US" dirty="0" err="1"/>
+              <a:t>fg</a:t>
+            </a:r>
+            <a:r>
+              <a:rPr lang="en-US" dirty="0"/>
+              <a:t>: foreground color (for Labels, this is the font color)</a:t>
+            </a:r>
+          </a:p>
+          <a:p>
+            <a:r>
+              <a:rPr lang="en-US" dirty="0" err="1"/>
+              <a:t>bd</a:t>
+            </a:r>
+            <a:r>
+              <a:rPr lang="en-US" dirty="0"/>
+              <a:t>: border width</a:t>
+            </a:r>
+          </a:p>
+          <a:p>
+            <a:r>
+              <a:rPr lang="en-US" dirty="0"/>
+              <a:t>border: border type (RAISED, SUNKEN, </a:t>
+            </a:r>
+            <a:r>
+              <a:rPr lang="en-US" dirty="0" err="1"/>
+              <a:t>etc</a:t>
+            </a:r>
+            <a:r>
+              <a:rPr lang="en-US" dirty="0"/>
+              <a:t>)</a:t>
+            </a:r>
+          </a:p>
+          <a:p>
+            <a:r>
+              <a:rPr lang="en-US" dirty="0"/>
+              <a:t>For color codes: </a:t>
+            </a:r>
+            <a:r>
+              <a:rPr lang="en-US" dirty="0">
+                <a:hlinkClick r:id="rId2"/>
+              </a:rPr>
+              <a:t>http://htmlcolorcodes.com/</a:t>
+            </a:r>
+            <a:r>
+              <a:rPr lang="en-US" dirty="0"/>
+              <a:t> </a:t>
+            </a:r>
+          </a:p>
+          <a:p>
+            <a:r>
+              <a:rPr lang="en-US" dirty="0"/>
+              <a:t>For more options, check the documentation or online tutorials</a:t>
+            </a:r>
+          </a:p>
+        </p:txBody>
+      </p:sp>
+    </p:spTree>
+    <p:extLst>
+      <p:ext uri="{BB962C8B-B14F-4D97-AF65-F5344CB8AC3E}">
+        <p14:creationId xmlns:p14="http://schemas.microsoft.com/office/powerpoint/2010/main" val="4164734863"/>
       </p:ext>
     </p:extLst>
   </p:cSld>
